--- a/doc/acl.pptx
+++ b/doc/acl.pptx
@@ -139,6 +139,22 @@
       </a:defRPr>
     </a:lvl9pPr>
   </p:defaultTextStyle>
+  <p:extLst>
+    <p:ext uri="{EFAFB233-063F-42B5-8137-9DF3F51BA10A}">
+      <p15:sldGuideLst xmlns:p15="http://schemas.microsoft.com/office/powerpoint/2012/main">
+        <p15:guide id="1" orient="horz" pos="2160">
+          <p15:clr>
+            <a:srgbClr val="A4A3A4"/>
+          </p15:clr>
+        </p15:guide>
+        <p15:guide id="2" pos="2880">
+          <p15:clr>
+            <a:srgbClr val="A4A3A4"/>
+          </p15:clr>
+        </p15:guide>
+      </p15:sldGuideLst>
+    </p:ext>
+  </p:extLst>
 </p:presentation>
 </file>
 
@@ -318,7 +334,7 @@
             <a:fld id="{6A1E91B6-4D00-4098-943A-0D973440C0B8}" type="datetimeFigureOut">
               <a:rPr lang="zh-CN" altLang="en-US" smtClean="0"/>
               <a:pPr/>
-              <a:t>2014/5/28</a:t>
+              <a:t>2015/3/19</a:t>
             </a:fld>
             <a:endParaRPr lang="zh-CN" altLang="en-US"/>
           </a:p>
@@ -490,7 +506,7 @@
             <a:fld id="{6A1E91B6-4D00-4098-943A-0D973440C0B8}" type="datetimeFigureOut">
               <a:rPr lang="zh-CN" altLang="en-US" smtClean="0"/>
               <a:pPr/>
-              <a:t>2014/5/28</a:t>
+              <a:t>2015/3/19</a:t>
             </a:fld>
             <a:endParaRPr lang="zh-CN" altLang="en-US"/>
           </a:p>
@@ -667,7 +683,7 @@
             <a:fld id="{6A1E91B6-4D00-4098-943A-0D973440C0B8}" type="datetimeFigureOut">
               <a:rPr lang="zh-CN" altLang="en-US" smtClean="0"/>
               <a:pPr/>
-              <a:t>2014/5/28</a:t>
+              <a:t>2015/3/19</a:t>
             </a:fld>
             <a:endParaRPr lang="zh-CN" altLang="en-US"/>
           </a:p>
@@ -834,7 +850,7 @@
             <a:fld id="{6A1E91B6-4D00-4098-943A-0D973440C0B8}" type="datetimeFigureOut">
               <a:rPr lang="zh-CN" altLang="en-US" smtClean="0"/>
               <a:pPr/>
-              <a:t>2014/5/28</a:t>
+              <a:t>2015/3/19</a:t>
             </a:fld>
             <a:endParaRPr lang="zh-CN" altLang="en-US"/>
           </a:p>
@@ -1070,7 +1086,7 @@
             <a:fld id="{6A1E91B6-4D00-4098-943A-0D973440C0B8}" type="datetimeFigureOut">
               <a:rPr lang="zh-CN" altLang="en-US" smtClean="0"/>
               <a:pPr/>
-              <a:t>2014/5/28</a:t>
+              <a:t>2015/3/19</a:t>
             </a:fld>
             <a:endParaRPr lang="zh-CN" altLang="en-US"/>
           </a:p>
@@ -1368,7 +1384,7 @@
             <a:fld id="{6A1E91B6-4D00-4098-943A-0D973440C0B8}" type="datetimeFigureOut">
               <a:rPr lang="zh-CN" altLang="en-US" smtClean="0"/>
               <a:pPr/>
-              <a:t>2014/5/28</a:t>
+              <a:t>2015/3/19</a:t>
             </a:fld>
             <a:endParaRPr lang="zh-CN" altLang="en-US"/>
           </a:p>
@@ -1754,7 +1770,7 @@
             <a:fld id="{6A1E91B6-4D00-4098-943A-0D973440C0B8}" type="datetimeFigureOut">
               <a:rPr lang="zh-CN" altLang="en-US" smtClean="0"/>
               <a:pPr/>
-              <a:t>2014/5/28</a:t>
+              <a:t>2015/3/19</a:t>
             </a:fld>
             <a:endParaRPr lang="zh-CN" altLang="en-US"/>
           </a:p>
@@ -1929,7 +1945,7 @@
             <a:fld id="{6A1E91B6-4D00-4098-943A-0D973440C0B8}" type="datetimeFigureOut">
               <a:rPr lang="zh-CN" altLang="en-US" smtClean="0"/>
               <a:pPr/>
-              <a:t>2014/5/28</a:t>
+              <a:t>2015/3/19</a:t>
             </a:fld>
             <a:endParaRPr lang="zh-CN" altLang="en-US"/>
           </a:p>
@@ -2021,7 +2037,7 @@
             <a:fld id="{6A1E91B6-4D00-4098-943A-0D973440C0B8}" type="datetimeFigureOut">
               <a:rPr lang="zh-CN" altLang="en-US" smtClean="0"/>
               <a:pPr/>
-              <a:t>2014/5/28</a:t>
+              <a:t>2015/3/19</a:t>
             </a:fld>
             <a:endParaRPr lang="zh-CN" altLang="en-US"/>
           </a:p>
@@ -2318,7 +2334,7 @@
             <a:fld id="{6A1E91B6-4D00-4098-943A-0D973440C0B8}" type="datetimeFigureOut">
               <a:rPr lang="zh-CN" altLang="en-US" smtClean="0"/>
               <a:pPr/>
-              <a:t>2014/5/28</a:t>
+              <a:t>2015/3/19</a:t>
             </a:fld>
             <a:endParaRPr lang="zh-CN" altLang="en-US"/>
           </a:p>
@@ -2454,7 +2470,7 @@
             <a:fld id="{6A1E91B6-4D00-4098-943A-0D973440C0B8}" type="datetimeFigureOut">
               <a:rPr lang="zh-CN" altLang="en-US" smtClean="0"/>
               <a:pPr/>
-              <a:t>2014/5/28</a:t>
+              <a:t>2015/3/19</a:t>
             </a:fld>
             <a:endParaRPr lang="zh-CN" altLang="en-US"/>
           </a:p>
@@ -2759,7 +2775,7 @@
             <a:fld id="{6A1E91B6-4D00-4098-943A-0D973440C0B8}" type="datetimeFigureOut">
               <a:rPr lang="zh-CN" altLang="en-US" smtClean="0"/>
               <a:pPr/>
-              <a:t>2014/5/28</a:t>
+              <a:t>2015/3/19</a:t>
             </a:fld>
             <a:endParaRPr lang="zh-CN" altLang="en-US"/>
           </a:p>
@@ -3684,7 +3700,15 @@
             </a:r>
             <a:r>
               <a:rPr lang="zh-CN" altLang="en-US" sz="7200" dirty="0" smtClean="0"/>
-              <a:t>、触发器</a:t>
+              <a:t>、</a:t>
+            </a:r>
+            <a:r>
+              <a:rPr lang="en-US" altLang="zh-CN" sz="7200" dirty="0" err="1" smtClean="0"/>
+              <a:t>udp</a:t>
+            </a:r>
+            <a:r>
+              <a:rPr lang="zh-CN" altLang="en-US" sz="7200" dirty="0" smtClean="0"/>
+              <a:t>非阻塞通信</a:t>
             </a:r>
             <a:r>
               <a:rPr lang="en-US" altLang="zh-CN" sz="7200" dirty="0" smtClean="0"/>
@@ -3692,6 +3716,22 @@
             </a:r>
             <a:r>
               <a:rPr lang="en-US" altLang="zh-CN" sz="7200" dirty="0" err="1" smtClean="0"/>
+              <a:t>master_udp</a:t>
+            </a:r>
+            <a:r>
+              <a:rPr lang="en-US" altLang="zh-CN" sz="7200" dirty="0" smtClean="0"/>
+              <a:t>)</a:t>
+            </a:r>
+            <a:r>
+              <a:rPr lang="zh-CN" altLang="en-US" sz="7200" dirty="0" smtClean="0"/>
+              <a:t>、触发器</a:t>
+            </a:r>
+            <a:r>
+              <a:rPr lang="en-US" altLang="zh-CN" sz="7200" dirty="0" smtClean="0"/>
+              <a:t>(</a:t>
+            </a:r>
+            <a:r>
+              <a:rPr lang="en-US" altLang="zh-CN" sz="7200" dirty="0" err="1" smtClean="0"/>
               <a:t>master_trigger</a:t>
             </a:r>
             <a:r>
@@ -3791,8 +3831,35 @@
           </a:p>
           <a:p>
             <a:r>
+              <a:rPr lang="zh-CN" altLang="en-US" sz="7200" b="1" dirty="0" smtClean="0"/>
+              <a:t>其它常用协议客户端库</a:t>
+            </a:r>
+            <a:r>
               <a:rPr lang="zh-CN" altLang="en-US" sz="7200" dirty="0" smtClean="0"/>
-              <a:t>其它常用协议客户端库：</a:t>
+              <a:t>：</a:t>
+            </a:r>
+            <a:endParaRPr lang="en-US" altLang="zh-CN" sz="7200" dirty="0" smtClean="0"/>
+          </a:p>
+          <a:p>
+            <a:r>
+              <a:rPr lang="en-US" altLang="zh-CN" sz="7200" b="1" dirty="0" err="1" smtClean="0"/>
+              <a:t>connpool</a:t>
+            </a:r>
+            <a:r>
+              <a:rPr lang="zh-CN" altLang="en-US" sz="7200" b="1" dirty="0" smtClean="0"/>
+              <a:t>：</a:t>
+            </a:r>
+            <a:r>
+              <a:rPr lang="zh-CN" altLang="en-US" sz="7200" dirty="0" smtClean="0"/>
+              <a:t>通用 </a:t>
+            </a:r>
+            <a:r>
+              <a:rPr lang="en-US" altLang="zh-CN" sz="7200" dirty="0" smtClean="0"/>
+              <a:t>TCP </a:t>
+            </a:r>
+            <a:r>
+              <a:rPr lang="zh-CN" altLang="en-US" sz="7200" dirty="0" smtClean="0"/>
+              <a:t>连接池及连接池集群管理框架</a:t>
             </a:r>
             <a:endParaRPr lang="en-US" altLang="zh-CN" sz="7200" dirty="0" smtClean="0"/>
           </a:p>
@@ -3858,7 +3925,58 @@
             </a:r>
             <a:r>
               <a:rPr lang="zh-CN" altLang="en-US" sz="7200" dirty="0" smtClean="0"/>
-              <a:t>协议的客户端库，支持长连接重试</a:t>
+              <a:t>协议的客户端库，</a:t>
+            </a:r>
+            <a:r>
+              <a:rPr lang="zh-CN" altLang="en-US" sz="7200" dirty="0" smtClean="0"/>
+              <a:t>支持连接池、集群管理、长</a:t>
+            </a:r>
+            <a:r>
+              <a:rPr lang="zh-CN" altLang="en-US" sz="7200" dirty="0" smtClean="0"/>
+              <a:t>连接</a:t>
+            </a:r>
+            <a:r>
+              <a:rPr lang="zh-CN" altLang="en-US" sz="7200" dirty="0" smtClean="0"/>
+              <a:t>重试</a:t>
+            </a:r>
+            <a:endParaRPr lang="en-US" altLang="zh-CN" sz="7200" dirty="0" smtClean="0"/>
+          </a:p>
+          <a:p>
+            <a:r>
+              <a:rPr lang="en-US" altLang="zh-CN" sz="7200" b="1" dirty="0" err="1" smtClean="0"/>
+              <a:t>redis</a:t>
+            </a:r>
+            <a:r>
+              <a:rPr lang="en-US" altLang="zh-CN" sz="7200" dirty="0" smtClean="0"/>
+              <a:t> </a:t>
+            </a:r>
+            <a:r>
+              <a:rPr lang="en-US" altLang="zh-CN" sz="7200" dirty="0"/>
+              <a:t>: </a:t>
+            </a:r>
+            <a:r>
+              <a:rPr lang="en-US" altLang="zh-CN" sz="7200" dirty="0" err="1" smtClean="0"/>
+              <a:t>redis</a:t>
+            </a:r>
+            <a:r>
+              <a:rPr lang="en-US" altLang="zh-CN" sz="7200" dirty="0" smtClean="0"/>
+              <a:t> </a:t>
+            </a:r>
+            <a:r>
+              <a:rPr lang="zh-CN" altLang="en-US" sz="7200" dirty="0"/>
+              <a:t>协议的客户端库，</a:t>
+            </a:r>
+            <a:r>
+              <a:rPr lang="zh-CN" altLang="en-US" sz="7200" dirty="0" smtClean="0"/>
+              <a:t>支持连接池、集群管理、长</a:t>
+            </a:r>
+            <a:r>
+              <a:rPr lang="zh-CN" altLang="en-US" sz="7200" dirty="0"/>
+              <a:t>连接</a:t>
+            </a:r>
+            <a:r>
+              <a:rPr lang="zh-CN" altLang="en-US" sz="7200" dirty="0" smtClean="0"/>
+              <a:t>重试</a:t>
             </a:r>
             <a:endParaRPr lang="en-US" altLang="zh-CN" sz="7200" dirty="0" smtClean="0"/>
           </a:p>
@@ -6629,6 +6747,14 @@
             </a:r>
             <a:r>
               <a:rPr lang="en-US" altLang="zh-CN" dirty="0" err="1" smtClean="0"/>
+              <a:t>redis</a:t>
+            </a:r>
+            <a:r>
+              <a:rPr lang="zh-CN" altLang="en-US" dirty="0"/>
+              <a:t>、</a:t>
+            </a:r>
+            <a:r>
+              <a:rPr lang="en-US" altLang="zh-CN" dirty="0" err="1" smtClean="0"/>
               <a:t>handlersocket</a:t>
             </a:r>
             <a:r>
@@ -6644,41 +6770,26 @@
           <a:p>
             <a:r>
               <a:rPr lang="zh-CN" altLang="en-US" dirty="0" smtClean="0"/>
-              <a:t>二、客户端库支持长连接及重连功能</a:t>
-            </a:r>
-            <a:r>
-              <a:rPr lang="en-US" altLang="zh-CN" dirty="0" smtClean="0"/>
-              <a:t>(</a:t>
-            </a:r>
-            <a:r>
-              <a:rPr lang="en-US" altLang="zh-CN" dirty="0" err="1" smtClean="0"/>
-              <a:t>smtp</a:t>
-            </a:r>
-            <a:r>
-              <a:rPr lang="en-US" altLang="zh-CN" dirty="0" smtClean="0"/>
-              <a:t>/</a:t>
-            </a:r>
-            <a:r>
-              <a:rPr lang="en-US" altLang="zh-CN" dirty="0" err="1" smtClean="0"/>
-              <a:t>handlersocket</a:t>
-            </a:r>
-            <a:r>
-              <a:rPr lang="en-US" altLang="zh-CN" dirty="0" smtClean="0"/>
-              <a:t> </a:t>
+              <a:t>二、客户端库支持长连接及重连</a:t>
             </a:r>
             <a:r>
               <a:rPr lang="zh-CN" altLang="en-US" dirty="0" smtClean="0"/>
-              <a:t>除外</a:t>
-            </a:r>
-            <a:r>
-              <a:rPr lang="en-US" altLang="zh-CN" dirty="0" smtClean="0"/>
-              <a:t>)</a:t>
-            </a:r>
+              <a:t>功能</a:t>
+            </a:r>
+            <a:endParaRPr lang="en-US" altLang="zh-CN" dirty="0" smtClean="0"/>
           </a:p>
           <a:p>
             <a:r>
               <a:rPr lang="zh-CN" altLang="en-US" dirty="0" smtClean="0"/>
-              <a:t>三、支持连接池的客户端库：</a:t>
+              <a:t>三</a:t>
+            </a:r>
+            <a:r>
+              <a:rPr lang="zh-CN" altLang="en-US" dirty="0" smtClean="0"/>
+              <a:t>、支持的数据库客户端</a:t>
+            </a:r>
+            <a:r>
+              <a:rPr lang="zh-CN" altLang="en-US" dirty="0" smtClean="0"/>
+              <a:t>库：</a:t>
             </a:r>
             <a:r>
               <a:rPr lang="en-US" altLang="zh-CN" dirty="0" err="1" smtClean="0"/>
@@ -6689,9 +6800,10 @@
               <a:t>、</a:t>
             </a:r>
             <a:r>
-              <a:rPr lang="en-US" altLang="zh-CN" dirty="0" smtClean="0"/>
-              <a:t>beanstalk</a:t>
-            </a:r>
+              <a:rPr lang="en-US" altLang="zh-CN" dirty="0" err="1" smtClean="0"/>
+              <a:t>sqlite</a:t>
+            </a:r>
+            <a:endParaRPr lang="en-US" altLang="zh-CN" dirty="0" smtClean="0"/>
           </a:p>
         </p:txBody>
       </p:sp>
@@ -12278,6 +12390,14 @@
             <a:r>
               <a:rPr lang="en-US" altLang="zh-CN" sz="2400" dirty="0" err="1" smtClean="0"/>
               <a:t>memcache</a:t>
+            </a:r>
+            <a:r>
+              <a:rPr lang="zh-CN" altLang="en-US" sz="2400" dirty="0" smtClean="0"/>
+              <a:t>，</a:t>
+            </a:r>
+            <a:r>
+              <a:rPr lang="en-US" altLang="zh-CN" sz="2400" dirty="0" err="1" smtClean="0"/>
+              <a:t>redis</a:t>
             </a:r>
             <a:r>
               <a:rPr lang="zh-CN" altLang="en-US" sz="2400" dirty="0" smtClean="0"/>
@@ -13730,7 +13850,11 @@
             </a:r>
             <a:r>
               <a:rPr lang="zh-CN" altLang="en-US" sz="2400" dirty="0" smtClean="0"/>
-              <a:t>工程下载：</a:t>
+              <a:t>下载</a:t>
+            </a:r>
+            <a:r>
+              <a:rPr lang="zh-CN" altLang="en-US" sz="2400" dirty="0" smtClean="0"/>
+              <a:t>：</a:t>
             </a:r>
             <a:r>
               <a:rPr lang="en-US" altLang="zh-CN" sz="2400" dirty="0" smtClean="0"/>
@@ -13769,7 +13893,7 @@
             </a:r>
             <a:r>
               <a:rPr lang="en-US" altLang="zh-CN" sz="2400" dirty="0" err="1" smtClean="0"/>
-              <a:t>githup</a:t>
+              <a:t>github</a:t>
             </a:r>
             <a:r>
               <a:rPr lang="zh-CN" altLang="en-US" sz="2400" dirty="0" smtClean="0"/>
@@ -13793,24 +13917,13 @@
               <a:rPr lang="en-US" altLang="zh-CN" sz="2400" dirty="0" smtClean="0">
                 <a:hlinkClick r:id="rId3"/>
               </a:rPr>
-              <a:t>http://zsxxsz.iteye.com/</a:t>
-            </a:r>
-            <a:endParaRPr lang="en-US" altLang="zh-CN" sz="2400" dirty="0" smtClean="0"/>
-          </a:p>
-          <a:p>
-            <a:r>
-              <a:rPr lang="en-US" altLang="zh-CN" sz="2400" dirty="0" smtClean="0"/>
-              <a:t>ACL  API</a:t>
-            </a:r>
-            <a:r>
-              <a:rPr lang="zh-CN" altLang="en-US" sz="2400" dirty="0" smtClean="0"/>
-              <a:t>文档：</a:t>
+              <a:t>http://zsxxsz.iteye.com</a:t>
             </a:r>
             <a:r>
               <a:rPr lang="en-US" altLang="zh-CN" sz="2400" dirty="0" smtClean="0">
-                <a:hlinkClick r:id="rId4"/>
+                <a:hlinkClick r:id="rId3"/>
               </a:rPr>
-              <a:t>https://sourceforge.net/projects/acl/files/doc/</a:t>
+              <a:t>/</a:t>
             </a:r>
             <a:endParaRPr lang="en-US" altLang="zh-CN" sz="2400" dirty="0" smtClean="0"/>
           </a:p>
@@ -14074,11 +14187,17 @@
           <p:cNvGraphicFramePr>
             <a:graphicFrameLocks noGrp="1"/>
           </p:cNvGraphicFramePr>
-          <p:nvPr/>
+          <p:nvPr>
+            <p:extLst>
+              <p:ext uri="{D42A27DB-BD31-4B8C-83A1-F6EECF244321}">
+                <p14:modId xmlns:p14="http://schemas.microsoft.com/office/powerpoint/2010/main" val="2012142791"/>
+              </p:ext>
+            </p:extLst>
+          </p:nvPr>
         </p:nvGraphicFramePr>
         <p:xfrm>
           <a:off x="755576" y="3356992"/>
-          <a:ext cx="7920882" cy="1454250"/>
+          <a:ext cx="7920882" cy="1166218"/>
         </p:xfrm>
         <a:graphic>
           <a:graphicData uri="http://schemas.openxmlformats.org/drawingml/2006/table">
@@ -14087,16 +14206,17 @@
                 <a:tableStyleId>{5C22544A-7EE6-4342-B048-85BDC9FD1C3A}</a:tableStyleId>
               </a:tblPr>
               <a:tblGrid>
-                <a:gridCol w="936105"/>
+                <a:gridCol w="792088"/>
                 <a:gridCol w="720080"/>
                 <a:gridCol w="720080"/>
-                <a:gridCol w="792088"/>
-                <a:gridCol w="1296144"/>
-                <a:gridCol w="1174099"/>
-                <a:gridCol w="1634213"/>
+                <a:gridCol w="648072"/>
+                <a:gridCol w="1080120"/>
+                <a:gridCol w="936104"/>
+                <a:gridCol w="1008112"/>
+                <a:gridCol w="1368153"/>
                 <a:gridCol w="648073"/>
               </a:tblGrid>
-              <a:tr h="648072">
+              <a:tr h="360040">
                 <a:tc>
                   <a:txBody>
                     <a:bodyPr/>
@@ -14173,10 +14293,41 @@
                     <a:lstStyle/>
                     <a:p>
                       <a:r>
+                        <a:rPr lang="en-US" altLang="zh-CN" sz="1400" dirty="0" err="1" smtClean="0"/>
+                        <a:t>redis</a:t>
+                      </a:r>
+                      <a:endParaRPr lang="zh-CN" altLang="en-US" sz="1400" dirty="0"/>
+                    </a:p>
+                  </a:txBody>
+                  <a:tcPr/>
+                </a:tc>
+                <a:tc>
+                  <a:txBody>
+                    <a:bodyPr/>
+                    <a:lstStyle/>
+                    <a:p>
+                      <a:pPr marL="0" marR="0" indent="0" algn="l" defTabSz="914400" rtl="0" eaLnBrk="1" fontAlgn="auto" latinLnBrk="0" hangingPunct="1">
+                        <a:lnSpc>
+                          <a:spcPct val="100000"/>
+                        </a:lnSpc>
+                        <a:spcBef>
+                          <a:spcPts val="0"/>
+                        </a:spcBef>
+                        <a:spcAft>
+                          <a:spcPts val="0"/>
+                        </a:spcAft>
+                        <a:buClrTx/>
+                        <a:buSzTx/>
+                        <a:buFontTx/>
+                        <a:buNone/>
+                        <a:tabLst/>
+                        <a:defRPr/>
+                      </a:pPr>
+                      <a:r>
                         <a:rPr lang="en-US" altLang="zh-CN" sz="1400" dirty="0" smtClean="0"/>
                         <a:t>beanstalk</a:t>
                       </a:r>
-                      <a:endParaRPr lang="zh-CN" altLang="en-US" sz="1400" dirty="0"/>
+                      <a:endParaRPr lang="zh-CN" altLang="en-US" sz="1400" dirty="0" smtClean="0"/>
                     </a:p>
                   </a:txBody>
                   <a:tcPr/>
@@ -14235,6 +14386,36 @@
                         <a:t>√</a:t>
                       </a:r>
                       <a:endParaRPr lang="zh-CN" altLang="en-US" sz="1400" dirty="0"/>
+                    </a:p>
+                  </a:txBody>
+                  <a:tcPr/>
+                </a:tc>
+                <a:tc>
+                  <a:txBody>
+                    <a:bodyPr/>
+                    <a:lstStyle/>
+                    <a:p>
+                      <a:pPr marL="0" marR="0" indent="0" algn="l" defTabSz="914400" rtl="0" eaLnBrk="1" fontAlgn="auto" latinLnBrk="0" hangingPunct="1">
+                        <a:lnSpc>
+                          <a:spcPct val="100000"/>
+                        </a:lnSpc>
+                        <a:spcBef>
+                          <a:spcPts val="0"/>
+                        </a:spcBef>
+                        <a:spcAft>
+                          <a:spcPts val="0"/>
+                        </a:spcAft>
+                        <a:buClrTx/>
+                        <a:buSzTx/>
+                        <a:buFontTx/>
+                        <a:buNone/>
+                        <a:tabLst/>
+                        <a:defRPr/>
+                      </a:pPr>
+                      <a:r>
+                        <a:rPr lang="zh-CN" altLang="en-US" sz="1400" dirty="0" smtClean="0"/>
+                        <a:t>√</a:t>
+                      </a:r>
                     </a:p>
                   </a:txBody>
                   <a:tcPr/>
@@ -14480,7 +14661,7 @@
                     <a:bodyPr/>
                     <a:lstStyle/>
                     <a:p>
-                      <a:endParaRPr lang="zh-CN" altLang="en-US" sz="1400"/>
+                      <a:endParaRPr lang="zh-CN" altLang="en-US" sz="1400" dirty="0"/>
                     </a:p>
                   </a:txBody>
                   <a:tcPr/>
@@ -14490,7 +14671,7 @@
                     <a:bodyPr/>
                     <a:lstStyle/>
                     <a:p>
-                      <a:endParaRPr lang="zh-CN" altLang="en-US" sz="1400"/>
+                      <a:endParaRPr lang="zh-CN" altLang="en-US" sz="1400" dirty="0"/>
                     </a:p>
                   </a:txBody>
                   <a:tcPr/>
@@ -14500,7 +14681,7 @@
                     <a:bodyPr/>
                     <a:lstStyle/>
                     <a:p>
-                      <a:endParaRPr lang="zh-CN" altLang="en-US" sz="1400"/>
+                      <a:endParaRPr lang="zh-CN" altLang="en-US" sz="1400" dirty="0"/>
                     </a:p>
                   </a:txBody>
                   <a:tcPr/>
@@ -14510,7 +14691,17 @@
                     <a:bodyPr/>
                     <a:lstStyle/>
                     <a:p>
-                      <a:endParaRPr lang="zh-CN" altLang="en-US" sz="1400"/>
+                      <a:endParaRPr lang="zh-CN" altLang="en-US" sz="1400" dirty="0"/>
+                    </a:p>
+                  </a:txBody>
+                  <a:tcPr/>
+                </a:tc>
+                <a:tc>
+                  <a:txBody>
+                    <a:bodyPr/>
+                    <a:lstStyle/>
+                    <a:p>
+                      <a:endParaRPr lang="zh-CN" altLang="en-US" sz="1400" dirty="0"/>
                     </a:p>
                   </a:txBody>
                   <a:tcPr/>
@@ -14786,7 +14977,7 @@
         <p:spPr/>
         <p:txBody>
           <a:bodyPr>
-            <a:normAutofit fontScale="92500" lnSpcReduction="10000"/>
+            <a:normAutofit fontScale="92500" lnSpcReduction="20000"/>
           </a:bodyPr>
           <a:lstStyle/>
           <a:p>
@@ -15096,7 +15287,19 @@
             </a:r>
             <a:r>
               <a:rPr lang="en-US" altLang="zh-CN" sz="2400" dirty="0" smtClean="0"/>
-              <a:t>/samples:  </a:t>
+              <a:t>/</a:t>
+            </a:r>
+            <a:r>
+              <a:rPr lang="en-US" altLang="zh-CN" sz="2400" dirty="0" err="1" smtClean="0"/>
+              <a:t>lib_acl</a:t>
+            </a:r>
+            <a:r>
+              <a:rPr lang="en-US" altLang="zh-CN" sz="2400" dirty="0" smtClean="0"/>
+              <a:t>/samples</a:t>
+            </a:r>
+            <a:r>
+              <a:rPr lang="en-US" altLang="zh-CN" sz="2400" dirty="0" smtClean="0"/>
+              <a:t>:  </a:t>
             </a:r>
             <a:r>
               <a:rPr lang="zh-CN" altLang="en-US" sz="2400" dirty="0" smtClean="0"/>
@@ -15108,7 +15311,50 @@
             </a:r>
             <a:r>
               <a:rPr lang="en-US" altLang="zh-CN" sz="2400" dirty="0" smtClean="0"/>
-              <a:t> /</a:t>
+              <a:t> </a:t>
+            </a:r>
+            <a:r>
+              <a:rPr lang="zh-CN" altLang="en-US" sz="2400" dirty="0" smtClean="0"/>
+              <a:t>库的</a:t>
+            </a:r>
+            <a:r>
+              <a:rPr lang="zh-CN" altLang="en-US" sz="2400" dirty="0" smtClean="0"/>
+              <a:t>例子</a:t>
+            </a:r>
+            <a:endParaRPr lang="en-US" altLang="zh-CN" sz="2400" dirty="0" smtClean="0"/>
+          </a:p>
+          <a:p>
+            <a:r>
+              <a:rPr lang="en-US" altLang="zh-CN" sz="2400" dirty="0" smtClean="0"/>
+              <a:t>2</a:t>
+            </a:r>
+            <a:r>
+              <a:rPr lang="zh-CN" altLang="en-US" sz="2400" dirty="0" smtClean="0"/>
+              <a:t>）</a:t>
+            </a:r>
+            <a:r>
+              <a:rPr lang="en-US" altLang="zh-CN" sz="2400" dirty="0" err="1" smtClean="0"/>
+              <a:t>acl</a:t>
+            </a:r>
+            <a:r>
+              <a:rPr lang="en-US" altLang="zh-CN" sz="2400" dirty="0" smtClean="0"/>
+              <a:t>/</a:t>
+            </a:r>
+            <a:r>
+              <a:rPr lang="en-US" altLang="zh-CN" sz="2400" dirty="0" err="1" smtClean="0"/>
+              <a:t>lib_protocols</a:t>
+            </a:r>
+            <a:r>
+              <a:rPr lang="en-US" altLang="zh-CN" sz="2400" dirty="0" smtClean="0"/>
+              <a:t>/samples</a:t>
+            </a:r>
+            <a:r>
+              <a:rPr lang="en-US" altLang="zh-CN" sz="2400" dirty="0"/>
+              <a:t>:  </a:t>
+            </a:r>
+            <a:r>
+              <a:rPr lang="zh-CN" altLang="en-US" sz="2400" dirty="0"/>
+              <a:t>主要是 </a:t>
             </a:r>
             <a:r>
               <a:rPr lang="en-US" altLang="zh-CN" sz="2400" dirty="0" err="1" smtClean="0"/>
@@ -15119,15 +15365,15 @@
               <a:t> </a:t>
             </a:r>
             <a:r>
-              <a:rPr lang="zh-CN" altLang="en-US" sz="2400" dirty="0" smtClean="0"/>
+              <a:rPr lang="zh-CN" altLang="en-US" sz="2400" dirty="0"/>
               <a:t>库的例子</a:t>
             </a:r>
-            <a:endParaRPr lang="en-US" altLang="zh-CN" sz="2400" dirty="0" smtClean="0"/>
-          </a:p>
-          <a:p>
-            <a:r>
-              <a:rPr lang="en-US" altLang="zh-CN" sz="2400" dirty="0" smtClean="0"/>
-              <a:t>2</a:t>
+            <a:endParaRPr lang="en-US" altLang="zh-CN" sz="2400" dirty="0"/>
+          </a:p>
+          <a:p>
+            <a:r>
+              <a:rPr lang="en-US" altLang="zh-CN" sz="2400" dirty="0"/>
+              <a:t>3</a:t>
             </a:r>
             <a:r>
               <a:rPr lang="zh-CN" altLang="en-US" sz="2400" dirty="0" smtClean="0"/>
@@ -15866,7 +16112,7 @@
         <a:sysClr val="windowText" lastClr="000000"/>
       </a:dk1>
       <a:lt1>
-        <a:sysClr val="window" lastClr="FFFFFF"/>
+        <a:sysClr val="window" lastClr="C0C0C0"/>
       </a:lt1>
       <a:dk2>
         <a:srgbClr val="4E3B30"/>
